--- a/trupri.pptx
+++ b/trupri.pptx
@@ -7653,7 +7653,7 @@
                 <a:ea typeface="Marlin Sans Basic" panose="02000000000000000000" pitchFamily="2" charset="77"/>
                 <a:cs typeface="Arial" panose="020B0604020202020204" pitchFamily="34" charset="0"/>
               </a:rPr>
-              <a:t>Trupri</a:t>
+              <a:t>trupri</a:t>
             </a:r>
           </a:p>
         </p:txBody>
@@ -8562,7 +8562,7 @@
                 <a:latin typeface="Arial" panose="020B0604020202020204" pitchFamily="34" charset="0"/>
                 <a:cs typeface="Arial" panose="020B0604020202020204" pitchFamily="34" charset="0"/>
               </a:rPr>
-              <a:t>Avoid double scanning of QR codes</a:t>
+              <a:t>Avoids double scanning of  barcodes</a:t>
             </a:r>
           </a:p>
         </p:txBody>
